--- a/01_requirements/マインスイーパー要求書.pptx
+++ b/01_requirements/マインスイーパー要求書.pptx
@@ -4342,6 +4342,17 @@
               <a:rPr kumimoji="1" lang="ja-JP" altLang="en-US" dirty="0"/>
               <a:t>難易度（爆弾の数）を設定できるようにしたい。</a:t>
             </a:r>
+            <a:endParaRPr kumimoji="1" lang="en-US" altLang="ja-JP" dirty="0"/>
+          </a:p>
+          <a:p>
+            <a:endParaRPr lang="en-US" altLang="ja-JP" dirty="0"/>
+          </a:p>
+          <a:p>
+            <a:r>
+              <a:rPr kumimoji="1" lang="ja-JP" altLang="en-US"/>
+              <a:t>開始一手目に地雷を開放することは避けたい。</a:t>
+            </a:r>
+            <a:endParaRPr kumimoji="1" lang="ja-JP" altLang="en-US" dirty="0"/>
           </a:p>
         </p:txBody>
       </p:sp>

--- a/01_requirements/マインスイーパー要求書.pptx
+++ b/01_requirements/マインスイーパー要求書.pptx
@@ -7,12 +7,12 @@
   <p:sldIdLst>
     <p:sldId id="256" r:id="rId2"/>
     <p:sldId id="257" r:id="rId3"/>
-    <p:sldId id="258" r:id="rId4"/>
-    <p:sldId id="259" r:id="rId5"/>
-    <p:sldId id="260" r:id="rId6"/>
-    <p:sldId id="261" r:id="rId7"/>
-    <p:sldId id="262" r:id="rId8"/>
-    <p:sldId id="263" r:id="rId9"/>
+    <p:sldId id="263" r:id="rId4"/>
+    <p:sldId id="258" r:id="rId5"/>
+    <p:sldId id="259" r:id="rId6"/>
+    <p:sldId id="260" r:id="rId7"/>
+    <p:sldId id="261" r:id="rId8"/>
+    <p:sldId id="262" r:id="rId9"/>
   </p:sldIdLst>
   <p:sldSz cx="12192000" cy="6858000"/>
   <p:notesSz cx="6858000" cy="9144000"/>
@@ -266,7 +266,7 @@
           <a:p>
             <a:fld id="{07640129-E89D-4D32-A436-F25FCF9733BC}" type="datetimeFigureOut">
               <a:rPr kumimoji="1" lang="ja-JP" altLang="en-US" smtClean="0"/>
-              <a:t>2020/6/8</a:t>
+              <a:t>2020/6/15</a:t>
             </a:fld>
             <a:endParaRPr kumimoji="1" lang="ja-JP" altLang="en-US"/>
           </a:p>
@@ -496,7 +496,7 @@
           <a:p>
             <a:fld id="{07640129-E89D-4D32-A436-F25FCF9733BC}" type="datetimeFigureOut">
               <a:rPr kumimoji="1" lang="ja-JP" altLang="en-US" smtClean="0"/>
-              <a:t>2020/6/8</a:t>
+              <a:t>2020/6/15</a:t>
             </a:fld>
             <a:endParaRPr kumimoji="1" lang="ja-JP" altLang="en-US"/>
           </a:p>
@@ -736,7 +736,7 @@
           <a:p>
             <a:fld id="{07640129-E89D-4D32-A436-F25FCF9733BC}" type="datetimeFigureOut">
               <a:rPr kumimoji="1" lang="ja-JP" altLang="en-US" smtClean="0"/>
-              <a:t>2020/6/8</a:t>
+              <a:t>2020/6/15</a:t>
             </a:fld>
             <a:endParaRPr kumimoji="1" lang="ja-JP" altLang="en-US"/>
           </a:p>
@@ -966,7 +966,7 @@
           <a:p>
             <a:fld id="{07640129-E89D-4D32-A436-F25FCF9733BC}" type="datetimeFigureOut">
               <a:rPr kumimoji="1" lang="ja-JP" altLang="en-US" smtClean="0"/>
-              <a:t>2020/6/8</a:t>
+              <a:t>2020/6/15</a:t>
             </a:fld>
             <a:endParaRPr kumimoji="1" lang="ja-JP" altLang="en-US"/>
           </a:p>
@@ -1241,7 +1241,7 @@
           <a:p>
             <a:fld id="{07640129-E89D-4D32-A436-F25FCF9733BC}" type="datetimeFigureOut">
               <a:rPr kumimoji="1" lang="ja-JP" altLang="en-US" smtClean="0"/>
-              <a:t>2020/6/8</a:t>
+              <a:t>2020/6/15</a:t>
             </a:fld>
             <a:endParaRPr kumimoji="1" lang="ja-JP" altLang="en-US"/>
           </a:p>
@@ -1570,7 +1570,7 @@
           <a:p>
             <a:fld id="{07640129-E89D-4D32-A436-F25FCF9733BC}" type="datetimeFigureOut">
               <a:rPr kumimoji="1" lang="ja-JP" altLang="en-US" smtClean="0"/>
-              <a:t>2020/6/8</a:t>
+              <a:t>2020/6/15</a:t>
             </a:fld>
             <a:endParaRPr kumimoji="1" lang="ja-JP" altLang="en-US"/>
           </a:p>
@@ -2046,7 +2046,7 @@
           <a:p>
             <a:fld id="{07640129-E89D-4D32-A436-F25FCF9733BC}" type="datetimeFigureOut">
               <a:rPr kumimoji="1" lang="ja-JP" altLang="en-US" smtClean="0"/>
-              <a:t>2020/6/8</a:t>
+              <a:t>2020/6/15</a:t>
             </a:fld>
             <a:endParaRPr kumimoji="1" lang="ja-JP" altLang="en-US"/>
           </a:p>
@@ -2187,7 +2187,7 @@
           <a:p>
             <a:fld id="{07640129-E89D-4D32-A436-F25FCF9733BC}" type="datetimeFigureOut">
               <a:rPr kumimoji="1" lang="ja-JP" altLang="en-US" smtClean="0"/>
-              <a:t>2020/6/8</a:t>
+              <a:t>2020/6/15</a:t>
             </a:fld>
             <a:endParaRPr kumimoji="1" lang="ja-JP" altLang="en-US"/>
           </a:p>
@@ -2300,7 +2300,7 @@
           <a:p>
             <a:fld id="{07640129-E89D-4D32-A436-F25FCF9733BC}" type="datetimeFigureOut">
               <a:rPr kumimoji="1" lang="ja-JP" altLang="en-US" smtClean="0"/>
-              <a:t>2020/6/8</a:t>
+              <a:t>2020/6/15</a:t>
             </a:fld>
             <a:endParaRPr kumimoji="1" lang="ja-JP" altLang="en-US"/>
           </a:p>
@@ -2643,7 +2643,7 @@
           <a:p>
             <a:fld id="{07640129-E89D-4D32-A436-F25FCF9733BC}" type="datetimeFigureOut">
               <a:rPr kumimoji="1" lang="ja-JP" altLang="en-US" smtClean="0"/>
-              <a:t>2020/6/8</a:t>
+              <a:t>2020/6/15</a:t>
             </a:fld>
             <a:endParaRPr kumimoji="1" lang="ja-JP" altLang="en-US"/>
           </a:p>
@@ -2931,7 +2931,7 @@
           <a:p>
             <a:fld id="{07640129-E89D-4D32-A436-F25FCF9733BC}" type="datetimeFigureOut">
               <a:rPr kumimoji="1" lang="ja-JP" altLang="en-US" smtClean="0"/>
-              <a:t>2020/6/8</a:t>
+              <a:t>2020/6/15</a:t>
             </a:fld>
             <a:endParaRPr kumimoji="1" lang="ja-JP" altLang="en-US"/>
           </a:p>
@@ -3204,7 +3204,7 @@
           <a:p>
             <a:fld id="{07640129-E89D-4D32-A436-F25FCF9733BC}" type="datetimeFigureOut">
               <a:rPr kumimoji="1" lang="ja-JP" altLang="en-US" smtClean="0"/>
-              <a:t>2020/6/8</a:t>
+              <a:t>2020/6/15</a:t>
             </a:fld>
             <a:endParaRPr kumimoji="1" lang="ja-JP" altLang="en-US"/>
           </a:p>
@@ -3763,7 +3763,7 @@
         <p:spPr/>
         <p:txBody>
           <a:bodyPr>
-            <a:normAutofit/>
+            <a:normAutofit fontScale="92500" lnSpcReduction="10000"/>
           </a:bodyPr>
           <a:lstStyle/>
           <a:p>
@@ -3792,21 +3792,50 @@
           </a:p>
           <a:p>
             <a:r>
+              <a:rPr kumimoji="1" lang="ja-JP" altLang="en-US" dirty="0"/>
+              <a:t>マスの数は難易度によって変わります。</a:t>
+            </a:r>
+            <a:endParaRPr kumimoji="1" lang="en-US" altLang="ja-JP" dirty="0"/>
+          </a:p>
+          <a:p>
+            <a:pPr marL="0" indent="0">
+              <a:buNone/>
+            </a:pPr>
+            <a:r>
+              <a:rPr kumimoji="1" lang="ja-JP" altLang="en-US" dirty="0"/>
+              <a:t>　上級：</a:t>
+            </a:r>
+            <a:r>
+              <a:rPr kumimoji="1" lang="en-US" altLang="ja-JP" dirty="0"/>
+              <a:t>15*15</a:t>
+            </a:r>
+          </a:p>
+          <a:p>
+            <a:pPr marL="0" indent="0">
+              <a:buNone/>
+            </a:pPr>
+            <a:r>
+              <a:rPr kumimoji="1" lang="ja-JP" altLang="en-US" dirty="0"/>
+              <a:t>　中級：</a:t>
+            </a:r>
+            <a:r>
+              <a:rPr kumimoji="1" lang="en-US" altLang="ja-JP" dirty="0"/>
+              <a:t>10*10</a:t>
+            </a:r>
+          </a:p>
+          <a:p>
+            <a:pPr marL="0" indent="0">
+              <a:buNone/>
+            </a:pPr>
+            <a:r>
               <a:rPr lang="ja-JP" altLang="en-US" dirty="0"/>
-              <a:t>盤</a:t>
-            </a:r>
-            <a:r>
-              <a:rPr kumimoji="1" lang="ja-JP" altLang="en-US" dirty="0"/>
-              <a:t>は</a:t>
-            </a:r>
-            <a:r>
-              <a:rPr kumimoji="1" lang="en-US" altLang="ja-JP" dirty="0"/>
-              <a:t>9*9</a:t>
-            </a:r>
-            <a:r>
-              <a:rPr kumimoji="1" lang="ja-JP" altLang="en-US" dirty="0"/>
-              <a:t>のマスを持ちます。</a:t>
-            </a:r>
+              <a:t>　初級：</a:t>
+            </a:r>
+            <a:r>
+              <a:rPr lang="en-US" altLang="ja-JP" dirty="0"/>
+              <a:t>5*5</a:t>
+            </a:r>
+            <a:endParaRPr kumimoji="1" lang="ja-JP" altLang="en-US" dirty="0"/>
           </a:p>
         </p:txBody>
       </p:sp>
@@ -3845,7 +3874,7 @@
           <p:cNvPr id="2" name="タイトル 1">
             <a:extLst>
               <a:ext uri="{FF2B5EF4-FFF2-40B4-BE49-F238E27FC236}">
-                <a16:creationId xmlns:a16="http://schemas.microsoft.com/office/drawing/2014/main" id="{D1B29EF4-3469-4D1E-BC7A-6C02B3E23B36}"/>
+                <a16:creationId xmlns:a16="http://schemas.microsoft.com/office/drawing/2014/main" id="{4EBD1AB8-9E04-49AF-98FF-797A7680F9A7}"/>
               </a:ext>
             </a:extLst>
           </p:cNvPr>
@@ -3863,69 +3892,50 @@
           <a:p>
             <a:r>
               <a:rPr kumimoji="1" lang="ja-JP" altLang="en-US" dirty="0"/>
-              <a:t>ゲームの概要</a:t>
-            </a:r>
-          </a:p>
-        </p:txBody>
-      </p:sp>
-      <p:sp>
-        <p:nvSpPr>
-          <p:cNvPr id="3" name="コンテンツ プレースホルダー 2">
-            <a:extLst>
-              <a:ext uri="{FF2B5EF4-FFF2-40B4-BE49-F238E27FC236}">
-                <a16:creationId xmlns:a16="http://schemas.microsoft.com/office/drawing/2014/main" id="{48466548-09CE-4CD7-8041-39D804836591}"/>
-              </a:ext>
-            </a:extLst>
-          </p:cNvPr>
-          <p:cNvSpPr>
-            <a:spLocks noGrp="1"/>
-          </p:cNvSpPr>
+              <a:t>ゲームイメージ</a:t>
+            </a:r>
+          </a:p>
+        </p:txBody>
+      </p:sp>
+      <p:pic>
+        <p:nvPicPr>
+          <p:cNvPr id="5" name="コンテンツ プレースホルダー 4" descr="パソコンの画面&#10;&#10;自動的に生成された説明">
+            <a:extLst>
+              <a:ext uri="{FF2B5EF4-FFF2-40B4-BE49-F238E27FC236}">
+                <a16:creationId xmlns:a16="http://schemas.microsoft.com/office/drawing/2014/main" id="{DE9642C2-A357-43E4-92FD-6A16DF98D210}"/>
+              </a:ext>
+            </a:extLst>
+          </p:cNvPr>
+          <p:cNvPicPr>
+            <a:picLocks noGrp="1" noChangeAspect="1"/>
+          </p:cNvPicPr>
           <p:nvPr>
             <p:ph idx="1"/>
           </p:nvPr>
-        </p:nvSpPr>
-        <p:spPr/>
-        <p:txBody>
-          <a:bodyPr>
-            <a:normAutofit/>
-          </a:bodyPr>
-          <a:lstStyle/>
-          <a:p>
-            <a:r>
-              <a:rPr kumimoji="1" lang="ja-JP" altLang="en-US" dirty="0"/>
-              <a:t>プレイヤーは一人です。</a:t>
-            </a:r>
-            <a:endParaRPr kumimoji="1" lang="en-US" altLang="ja-JP" dirty="0"/>
-          </a:p>
-          <a:p>
-            <a:endParaRPr kumimoji="1" lang="en-US" altLang="ja-JP" dirty="0"/>
-          </a:p>
-          <a:p>
-            <a:r>
-              <a:rPr lang="ja-JP" altLang="en-US" dirty="0"/>
-              <a:t>プレイヤーは一つのマスを指定し、そのマスを開放することで、隠された中身を確認することができます。</a:t>
-            </a:r>
-            <a:endParaRPr lang="en-US" altLang="ja-JP" dirty="0"/>
-          </a:p>
-          <a:p>
-            <a:endParaRPr lang="en-US" altLang="ja-JP" dirty="0"/>
-          </a:p>
-          <a:p>
-            <a:r>
-              <a:rPr lang="ja-JP" altLang="en-US" dirty="0"/>
-              <a:t>地雷以外の空のマスを全て開放するとゲームクリアとなり、ゲームを終了します。</a:t>
-            </a:r>
-            <a:endParaRPr lang="en-US" altLang="ja-JP" dirty="0"/>
-          </a:p>
-          <a:p>
-            <a:endParaRPr kumimoji="1" lang="en-US" altLang="ja-JP" dirty="0"/>
-          </a:p>
-        </p:txBody>
-      </p:sp>
+        </p:nvPicPr>
+        <p:blipFill>
+          <a:blip r:embed="rId2">
+            <a:extLst>
+              <a:ext uri="{28A0092B-C50C-407E-A947-70E740481C1C}">
+                <a14:useLocalDpi xmlns:a14="http://schemas.microsoft.com/office/drawing/2010/main" val="0"/>
+              </a:ext>
+            </a:extLst>
+          </a:blip>
+          <a:stretch>
+            <a:fillRect/>
+          </a:stretch>
+        </p:blipFill>
+        <p:spPr>
+          <a:xfrm>
+            <a:off x="4871421" y="1825625"/>
+            <a:ext cx="2449158" cy="4351338"/>
+          </a:xfrm>
+        </p:spPr>
+      </p:pic>
     </p:spTree>
     <p:extLst>
       <p:ext uri="{BB962C8B-B14F-4D97-AF65-F5344CB8AC3E}">
-        <p14:creationId xmlns:p14="http://schemas.microsoft.com/office/powerpoint/2010/main" val="2036437994"/>
+        <p14:creationId xmlns:p14="http://schemas.microsoft.com/office/powerpoint/2010/main" val="1124199162"/>
       </p:ext>
     </p:extLst>
   </p:cSld>
@@ -3957,7 +3967,7 @@
           <p:cNvPr id="2" name="タイトル 1">
             <a:extLst>
               <a:ext uri="{FF2B5EF4-FFF2-40B4-BE49-F238E27FC236}">
-                <a16:creationId xmlns:a16="http://schemas.microsoft.com/office/drawing/2014/main" id="{D5DBB895-531E-45C2-9284-95C96D8DCB69}"/>
+                <a16:creationId xmlns:a16="http://schemas.microsoft.com/office/drawing/2014/main" id="{D1B29EF4-3469-4D1E-BC7A-6C02B3E23B36}"/>
               </a:ext>
             </a:extLst>
           </p:cNvPr>
@@ -3975,7 +3985,7 @@
           <a:p>
             <a:r>
               <a:rPr kumimoji="1" lang="ja-JP" altLang="en-US" dirty="0"/>
-              <a:t>ゲームの概要（地雷のマス）</a:t>
+              <a:t>ゲームの概要</a:t>
             </a:r>
           </a:p>
         </p:txBody>
@@ -3985,7 +3995,7 @@
           <p:cNvPr id="3" name="コンテンツ プレースホルダー 2">
             <a:extLst>
               <a:ext uri="{FF2B5EF4-FFF2-40B4-BE49-F238E27FC236}">
-                <a16:creationId xmlns:a16="http://schemas.microsoft.com/office/drawing/2014/main" id="{BB810EE2-491F-4876-9B70-156D42D5EEB4}"/>
+                <a16:creationId xmlns:a16="http://schemas.microsoft.com/office/drawing/2014/main" id="{48466548-09CE-4CD7-8041-39D804836591}"/>
               </a:ext>
             </a:extLst>
           </p:cNvPr>
@@ -3998,12 +4008,24 @@
         </p:nvSpPr>
         <p:spPr/>
         <p:txBody>
-          <a:bodyPr/>
-          <a:lstStyle/>
+          <a:bodyPr>
+            <a:normAutofit/>
+          </a:bodyPr>
+          <a:lstStyle/>
+          <a:p>
+            <a:r>
+              <a:rPr kumimoji="1" lang="ja-JP" altLang="en-US" dirty="0"/>
+              <a:t>プレイヤーは一人です。</a:t>
+            </a:r>
+            <a:endParaRPr kumimoji="1" lang="en-US" altLang="ja-JP" dirty="0"/>
+          </a:p>
+          <a:p>
+            <a:endParaRPr kumimoji="1" lang="en-US" altLang="ja-JP" dirty="0"/>
+          </a:p>
           <a:p>
             <a:r>
               <a:rPr lang="ja-JP" altLang="en-US" dirty="0"/>
-              <a:t>地雷のあるマスを開放した場合、ゲームオーバーとなりその時点でゲーム終了となります。</a:t>
+              <a:t>プレイヤーは一つのマスを指定し、そのマスを開放することで、隠された中身を確認することができます。</a:t>
             </a:r>
             <a:endParaRPr lang="en-US" altLang="ja-JP" dirty="0"/>
           </a:p>
@@ -4011,20 +4033,21 @@
             <a:endParaRPr lang="en-US" altLang="ja-JP" dirty="0"/>
           </a:p>
           <a:p>
+            <a:r>
+              <a:rPr lang="ja-JP" altLang="en-US" dirty="0"/>
+              <a:t>地雷以外の空のマスを全て開放するとゲームクリアとなり、ゲームを終了します。</a:t>
+            </a:r>
             <a:endParaRPr lang="en-US" altLang="ja-JP" dirty="0"/>
           </a:p>
           <a:p>
-            <a:endParaRPr lang="ja-JP" altLang="en-US" dirty="0"/>
-          </a:p>
-          <a:p>
-            <a:endParaRPr kumimoji="1" lang="ja-JP" altLang="en-US" dirty="0"/>
+            <a:endParaRPr kumimoji="1" lang="en-US" altLang="ja-JP" dirty="0"/>
           </a:p>
         </p:txBody>
       </p:sp>
     </p:spTree>
     <p:extLst>
       <p:ext uri="{BB962C8B-B14F-4D97-AF65-F5344CB8AC3E}">
-        <p14:creationId xmlns:p14="http://schemas.microsoft.com/office/powerpoint/2010/main" val="339558387"/>
+        <p14:creationId xmlns:p14="http://schemas.microsoft.com/office/powerpoint/2010/main" val="2036437994"/>
       </p:ext>
     </p:extLst>
   </p:cSld>
@@ -4056,7 +4079,7 @@
           <p:cNvPr id="2" name="タイトル 1">
             <a:extLst>
               <a:ext uri="{FF2B5EF4-FFF2-40B4-BE49-F238E27FC236}">
-                <a16:creationId xmlns:a16="http://schemas.microsoft.com/office/drawing/2014/main" id="{E80E6E6A-D87A-4DAA-B0A0-C58E6AE89DBF}"/>
+                <a16:creationId xmlns:a16="http://schemas.microsoft.com/office/drawing/2014/main" id="{D5DBB895-531E-45C2-9284-95C96D8DCB69}"/>
               </a:ext>
             </a:extLst>
           </p:cNvPr>
@@ -4074,7 +4097,7 @@
           <a:p>
             <a:r>
               <a:rPr kumimoji="1" lang="ja-JP" altLang="en-US" dirty="0"/>
-              <a:t>ゲーム概要（空のマス）</a:t>
+              <a:t>ゲームの概要（地雷のマス）</a:t>
             </a:r>
           </a:p>
         </p:txBody>
@@ -4084,7 +4107,7 @@
           <p:cNvPr id="3" name="コンテンツ プレースホルダー 2">
             <a:extLst>
               <a:ext uri="{FF2B5EF4-FFF2-40B4-BE49-F238E27FC236}">
-                <a16:creationId xmlns:a16="http://schemas.microsoft.com/office/drawing/2014/main" id="{BDA59A6B-C1B8-4466-96D8-1633849AB022}"/>
+                <a16:creationId xmlns:a16="http://schemas.microsoft.com/office/drawing/2014/main" id="{BB810EE2-491F-4876-9B70-156D42D5EEB4}"/>
               </a:ext>
             </a:extLst>
           </p:cNvPr>
@@ -4100,51 +4123,71 @@
           <a:bodyPr/>
           <a:lstStyle/>
           <a:p>
+            <a:r>
+              <a:rPr lang="ja-JP" altLang="en-US" dirty="0"/>
+              <a:t>地雷のあるマスを開放した場合、ゲームオーバーとなりその時点でゲーム終了となります。</a:t>
+            </a:r>
+            <a:endParaRPr lang="en-US" altLang="ja-JP" dirty="0"/>
+          </a:p>
+          <a:p>
+            <a:endParaRPr lang="en-US" altLang="ja-JP" dirty="0"/>
+          </a:p>
+          <a:p>
+            <a:r>
+              <a:rPr lang="ja-JP" altLang="en-US" dirty="0"/>
+              <a:t>地雷の数も難易度によって変わります。</a:t>
+            </a:r>
+            <a:endParaRPr lang="en-US" altLang="ja-JP" dirty="0"/>
+          </a:p>
+          <a:p>
             <a:pPr marL="0" indent="0">
               <a:buNone/>
             </a:pPr>
             <a:r>
+              <a:rPr lang="ja-JP" altLang="en-US" dirty="0"/>
+              <a:t>　上級：</a:t>
+            </a:r>
+            <a:r>
               <a:rPr lang="en-US" altLang="ja-JP" dirty="0"/>
-              <a:t>1. </a:t>
-            </a:r>
+              <a:t>56</a:t>
+            </a:r>
+          </a:p>
+          <a:p>
+            <a:pPr marL="0" indent="0">
+              <a:buNone/>
+            </a:pPr>
             <a:r>
               <a:rPr lang="ja-JP" altLang="en-US" dirty="0"/>
-              <a:t>地雷以外の空のマスを開放した場合、開放するマスの指定を再び行い、ゲームを継続します。</a:t>
-            </a:r>
+              <a:t>　中級：</a:t>
+            </a:r>
+            <a:r>
+              <a:rPr lang="en-US" altLang="ja-JP" dirty="0"/>
+              <a:t>20</a:t>
+            </a:r>
+          </a:p>
+          <a:p>
+            <a:pPr marL="0" indent="0">
+              <a:buNone/>
+            </a:pPr>
+            <a:r>
+              <a:rPr lang="ja-JP" altLang="en-US" dirty="0"/>
+              <a:t>　初級：</a:t>
+            </a:r>
+            <a:r>
+              <a:rPr lang="en-US" altLang="ja-JP" dirty="0"/>
+              <a:t>3</a:t>
+            </a:r>
+          </a:p>
+          <a:p>
             <a:endParaRPr lang="en-US" altLang="ja-JP" dirty="0"/>
           </a:p>
           <a:p>
-            <a:endParaRPr kumimoji="1" lang="en-US" altLang="ja-JP" dirty="0"/>
-          </a:p>
-          <a:p>
-            <a:pPr marL="0" indent="0">
-              <a:buNone/>
-            </a:pPr>
-            <a:r>
-              <a:rPr lang="en-US" altLang="ja-JP" dirty="0"/>
-              <a:t>2. </a:t>
-            </a:r>
-            <a:r>
-              <a:rPr lang="ja-JP" altLang="en-US" dirty="0"/>
-              <a:t>その際、開放したマスは、隣接するマス（８つ）に隠されている地雷の数を表示して、プレイヤーに知らせます。</a:t>
-            </a:r>
             <a:endParaRPr lang="en-US" altLang="ja-JP" dirty="0"/>
           </a:p>
           <a:p>
-            <a:endParaRPr kumimoji="1" lang="en-US" altLang="ja-JP" dirty="0"/>
-          </a:p>
-          <a:p>
-            <a:pPr marL="0" indent="0">
-              <a:buNone/>
-            </a:pPr>
-            <a:r>
-              <a:rPr lang="en-US" altLang="ja-JP" dirty="0"/>
-              <a:t>3. </a:t>
-            </a:r>
-            <a:r>
-              <a:rPr lang="ja-JP" altLang="en-US" dirty="0"/>
-              <a:t>さらに隣接するマスに地雷が置かれていないとき、それらも自動的に開放します。</a:t>
-            </a:r>
+            <a:endParaRPr lang="ja-JP" altLang="en-US" dirty="0"/>
+          </a:p>
+          <a:p>
             <a:endParaRPr kumimoji="1" lang="ja-JP" altLang="en-US" dirty="0"/>
           </a:p>
         </p:txBody>
@@ -4152,7 +4195,7 @@
     </p:spTree>
     <p:extLst>
       <p:ext uri="{BB962C8B-B14F-4D97-AF65-F5344CB8AC3E}">
-        <p14:creationId xmlns:p14="http://schemas.microsoft.com/office/powerpoint/2010/main" val="1753952446"/>
+        <p14:creationId xmlns:p14="http://schemas.microsoft.com/office/powerpoint/2010/main" val="339558387"/>
       </p:ext>
     </p:extLst>
   </p:cSld>
@@ -4184,7 +4227,7 @@
           <p:cNvPr id="2" name="タイトル 1">
             <a:extLst>
               <a:ext uri="{FF2B5EF4-FFF2-40B4-BE49-F238E27FC236}">
-                <a16:creationId xmlns:a16="http://schemas.microsoft.com/office/drawing/2014/main" id="{D4FB326A-B0B2-4A8D-A920-4E0109E9DA5B}"/>
+                <a16:creationId xmlns:a16="http://schemas.microsoft.com/office/drawing/2014/main" id="{E80E6E6A-D87A-4DAA-B0A0-C58E6AE89DBF}"/>
               </a:ext>
             </a:extLst>
           </p:cNvPr>
@@ -4202,7 +4245,7 @@
           <a:p>
             <a:r>
               <a:rPr kumimoji="1" lang="ja-JP" altLang="en-US" dirty="0"/>
-              <a:t>ゲーム概要</a:t>
+              <a:t>ゲーム概要（空のマス）</a:t>
             </a:r>
           </a:p>
         </p:txBody>
@@ -4212,7 +4255,7 @@
           <p:cNvPr id="3" name="コンテンツ プレースホルダー 2">
             <a:extLst>
               <a:ext uri="{FF2B5EF4-FFF2-40B4-BE49-F238E27FC236}">
-                <a16:creationId xmlns:a16="http://schemas.microsoft.com/office/drawing/2014/main" id="{83AD6238-4536-448A-837F-977CB4892C2C}"/>
+                <a16:creationId xmlns:a16="http://schemas.microsoft.com/office/drawing/2014/main" id="{BDA59A6B-C1B8-4466-96D8-1633849AB022}"/>
               </a:ext>
             </a:extLst>
           </p:cNvPr>
@@ -4228,13 +4271,16 @@
           <a:bodyPr/>
           <a:lstStyle/>
           <a:p>
-            <a:r>
-              <a:rPr kumimoji="1" lang="ja-JP" altLang="en-US" dirty="0"/>
-              <a:t>プレイヤーは地雷が隠されていると思われるマスに対して、</a:t>
+            <a:pPr marL="0" indent="0">
+              <a:buNone/>
+            </a:pPr>
+            <a:r>
+              <a:rPr lang="en-US" altLang="ja-JP" dirty="0"/>
+              <a:t>1. </a:t>
             </a:r>
             <a:r>
               <a:rPr lang="ja-JP" altLang="en-US" dirty="0"/>
-              <a:t>フラグを自由に設置できます。</a:t>
+              <a:t>地雷以外の空のマスを開放した場合、開放するマスの指定を再び行い、ゲームを継続します。</a:t>
             </a:r>
             <a:endParaRPr lang="en-US" altLang="ja-JP" dirty="0"/>
           </a:p>
@@ -4245,14 +4291,39 @@
             <a:pPr marL="0" indent="0">
               <a:buNone/>
             </a:pPr>
+            <a:r>
+              <a:rPr lang="en-US" altLang="ja-JP" dirty="0"/>
+              <a:t>2. </a:t>
+            </a:r>
+            <a:r>
+              <a:rPr lang="ja-JP" altLang="en-US" dirty="0"/>
+              <a:t>その際、開放したマスは、隣接するマス（８つ）に隠されている地雷の数を表示して、プレイヤーに知らせます。</a:t>
+            </a:r>
+            <a:endParaRPr lang="en-US" altLang="ja-JP" dirty="0"/>
+          </a:p>
+          <a:p>
             <a:endParaRPr kumimoji="1" lang="en-US" altLang="ja-JP" dirty="0"/>
+          </a:p>
+          <a:p>
+            <a:pPr marL="0" indent="0">
+              <a:buNone/>
+            </a:pPr>
+            <a:r>
+              <a:rPr lang="en-US" altLang="ja-JP" dirty="0"/>
+              <a:t>3. </a:t>
+            </a:r>
+            <a:r>
+              <a:rPr lang="ja-JP" altLang="en-US" dirty="0"/>
+              <a:t>隣接するマスに地雷が一つも隠されていないとき、それらも自動的に開放します。</a:t>
+            </a:r>
+            <a:endParaRPr kumimoji="1" lang="ja-JP" altLang="en-US" dirty="0"/>
           </a:p>
         </p:txBody>
       </p:sp>
     </p:spTree>
     <p:extLst>
       <p:ext uri="{BB962C8B-B14F-4D97-AF65-F5344CB8AC3E}">
-        <p14:creationId xmlns:p14="http://schemas.microsoft.com/office/powerpoint/2010/main" val="4225805676"/>
+        <p14:creationId xmlns:p14="http://schemas.microsoft.com/office/powerpoint/2010/main" val="1753952446"/>
       </p:ext>
     </p:extLst>
   </p:cSld>
@@ -4284,7 +4355,7 @@
           <p:cNvPr id="2" name="タイトル 1">
             <a:extLst>
               <a:ext uri="{FF2B5EF4-FFF2-40B4-BE49-F238E27FC236}">
-                <a16:creationId xmlns:a16="http://schemas.microsoft.com/office/drawing/2014/main" id="{6F66E5BB-719C-4073-9337-822812A0F6F9}"/>
+                <a16:creationId xmlns:a16="http://schemas.microsoft.com/office/drawing/2014/main" id="{D4FB326A-B0B2-4A8D-A920-4E0109E9DA5B}"/>
               </a:ext>
             </a:extLst>
           </p:cNvPr>
@@ -4302,7 +4373,7 @@
           <a:p>
             <a:r>
               <a:rPr kumimoji="1" lang="ja-JP" altLang="en-US" dirty="0"/>
-              <a:t>要求</a:t>
+              <a:t>ゲーム概要</a:t>
             </a:r>
           </a:p>
         </p:txBody>
@@ -4312,7 +4383,7 @@
           <p:cNvPr id="3" name="コンテンツ プレースホルダー 2">
             <a:extLst>
               <a:ext uri="{FF2B5EF4-FFF2-40B4-BE49-F238E27FC236}">
-                <a16:creationId xmlns:a16="http://schemas.microsoft.com/office/drawing/2014/main" id="{F39B8802-1BC3-4A92-9814-69120CAF2E56}"/>
+                <a16:creationId xmlns:a16="http://schemas.microsoft.com/office/drawing/2014/main" id="{83AD6238-4536-448A-837F-977CB4892C2C}"/>
               </a:ext>
             </a:extLst>
           </p:cNvPr>
@@ -4330,36 +4401,29 @@
           <a:p>
             <a:r>
               <a:rPr kumimoji="1" lang="ja-JP" altLang="en-US" dirty="0"/>
-              <a:t>盤の大きさはプレイヤーが自由に設定できるようにしたい。</a:t>
-            </a:r>
+              <a:t>プレイヤーは地雷が隠されていると思われるマスに対して、</a:t>
+            </a:r>
+            <a:r>
+              <a:rPr lang="ja-JP" altLang="en-US" dirty="0"/>
+              <a:t>フラグを自由に設置できます。</a:t>
+            </a:r>
+            <a:endParaRPr lang="en-US" altLang="ja-JP" dirty="0"/>
+          </a:p>
+          <a:p>
             <a:endParaRPr kumimoji="1" lang="en-US" altLang="ja-JP" dirty="0"/>
           </a:p>
           <a:p>
-            <a:endParaRPr lang="en-US" altLang="ja-JP" dirty="0"/>
-          </a:p>
-          <a:p>
-            <a:r>
-              <a:rPr kumimoji="1" lang="ja-JP" altLang="en-US" dirty="0"/>
-              <a:t>難易度（爆弾の数）を設定できるようにしたい。</a:t>
-            </a:r>
+            <a:pPr marL="0" indent="0">
+              <a:buNone/>
+            </a:pPr>
             <a:endParaRPr kumimoji="1" lang="en-US" altLang="ja-JP" dirty="0"/>
-          </a:p>
-          <a:p>
-            <a:endParaRPr lang="en-US" altLang="ja-JP" dirty="0"/>
-          </a:p>
-          <a:p>
-            <a:r>
-              <a:rPr kumimoji="1" lang="ja-JP" altLang="en-US"/>
-              <a:t>開始一手目に地雷を開放することは避けたい。</a:t>
-            </a:r>
-            <a:endParaRPr kumimoji="1" lang="ja-JP" altLang="en-US" dirty="0"/>
           </a:p>
         </p:txBody>
       </p:sp>
     </p:spTree>
     <p:extLst>
       <p:ext uri="{BB962C8B-B14F-4D97-AF65-F5344CB8AC3E}">
-        <p14:creationId xmlns:p14="http://schemas.microsoft.com/office/powerpoint/2010/main" val="147221885"/>
+        <p14:creationId xmlns:p14="http://schemas.microsoft.com/office/powerpoint/2010/main" val="4225805676"/>
       </p:ext>
     </p:extLst>
   </p:cSld>
@@ -4391,7 +4455,7 @@
           <p:cNvPr id="2" name="タイトル 1">
             <a:extLst>
               <a:ext uri="{FF2B5EF4-FFF2-40B4-BE49-F238E27FC236}">
-                <a16:creationId xmlns:a16="http://schemas.microsoft.com/office/drawing/2014/main" id="{4EBD1AB8-9E04-49AF-98FF-797A7680F9A7}"/>
+                <a16:creationId xmlns:a16="http://schemas.microsoft.com/office/drawing/2014/main" id="{6F66E5BB-719C-4073-9337-822812A0F6F9}"/>
               </a:ext>
             </a:extLst>
           </p:cNvPr>
@@ -4409,50 +4473,122 @@
           <a:p>
             <a:r>
               <a:rPr kumimoji="1" lang="ja-JP" altLang="en-US" dirty="0"/>
-              <a:t>ゲームイメージ</a:t>
-            </a:r>
-          </a:p>
-        </p:txBody>
-      </p:sp>
-      <p:pic>
-        <p:nvPicPr>
-          <p:cNvPr id="5" name="コンテンツ プレースホルダー 4" descr="パソコンの画面&#10;&#10;自動的に生成された説明">
-            <a:extLst>
-              <a:ext uri="{FF2B5EF4-FFF2-40B4-BE49-F238E27FC236}">
-                <a16:creationId xmlns:a16="http://schemas.microsoft.com/office/drawing/2014/main" id="{DE9642C2-A357-43E4-92FD-6A16DF98D210}"/>
-              </a:ext>
-            </a:extLst>
-          </p:cNvPr>
-          <p:cNvPicPr>
-            <a:picLocks noGrp="1" noChangeAspect="1"/>
-          </p:cNvPicPr>
+              <a:t>要求</a:t>
+            </a:r>
+          </a:p>
+        </p:txBody>
+      </p:sp>
+      <p:sp>
+        <p:nvSpPr>
+          <p:cNvPr id="3" name="コンテンツ プレースホルダー 2">
+            <a:extLst>
+              <a:ext uri="{FF2B5EF4-FFF2-40B4-BE49-F238E27FC236}">
+                <a16:creationId xmlns:a16="http://schemas.microsoft.com/office/drawing/2014/main" id="{F39B8802-1BC3-4A92-9814-69120CAF2E56}"/>
+              </a:ext>
+            </a:extLst>
+          </p:cNvPr>
+          <p:cNvSpPr>
+            <a:spLocks noGrp="1"/>
+          </p:cNvSpPr>
           <p:nvPr>
             <p:ph idx="1"/>
           </p:nvPr>
-        </p:nvPicPr>
-        <p:blipFill>
-          <a:blip r:embed="rId2">
-            <a:extLst>
-              <a:ext uri="{28A0092B-C50C-407E-A947-70E740481C1C}">
-                <a14:useLocalDpi xmlns:a14="http://schemas.microsoft.com/office/drawing/2010/main" val="0"/>
-              </a:ext>
-            </a:extLst>
-          </a:blip>
-          <a:stretch>
-            <a:fillRect/>
-          </a:stretch>
-        </p:blipFill>
-        <p:spPr>
-          <a:xfrm>
-            <a:off x="4871421" y="1825625"/>
-            <a:ext cx="2449158" cy="4351338"/>
-          </a:xfrm>
-        </p:spPr>
-      </p:pic>
+        </p:nvSpPr>
+        <p:spPr/>
+        <p:txBody>
+          <a:bodyPr>
+            <a:normAutofit fontScale="92500" lnSpcReduction="20000"/>
+          </a:bodyPr>
+          <a:lstStyle/>
+          <a:p>
+            <a:pPr marL="0" indent="0">
+              <a:buNone/>
+            </a:pPr>
+            <a:endParaRPr lang="en-US" altLang="ja-JP" dirty="0"/>
+          </a:p>
+          <a:p>
+            <a:r>
+              <a:rPr kumimoji="1" lang="ja-JP" altLang="en-US" dirty="0"/>
+              <a:t>開始一手目に地雷を開放することは避けたい。</a:t>
+            </a:r>
+            <a:endParaRPr kumimoji="1" lang="en-US" altLang="ja-JP" dirty="0"/>
+          </a:p>
+          <a:p>
+            <a:endParaRPr lang="en-US" altLang="ja-JP" dirty="0"/>
+          </a:p>
+          <a:p>
+            <a:r>
+              <a:rPr kumimoji="1" lang="ja-JP" altLang="en-US" dirty="0"/>
+              <a:t>開始一手目の８近傍には地雷がないようにしたい。</a:t>
+            </a:r>
+            <a:endParaRPr kumimoji="1" lang="en-US" altLang="ja-JP" dirty="0"/>
+          </a:p>
+          <a:p>
+            <a:endParaRPr lang="en-US" altLang="ja-JP" dirty="0"/>
+          </a:p>
+          <a:p>
+            <a:r>
+              <a:rPr kumimoji="1" lang="ja-JP" altLang="en-US" dirty="0"/>
+              <a:t>周囲の地雷数の表示には色を付けたい。</a:t>
+            </a:r>
+            <a:endParaRPr kumimoji="1" lang="en-US" altLang="ja-JP" dirty="0"/>
+          </a:p>
+          <a:p>
+            <a:pPr marL="0" indent="0">
+              <a:buNone/>
+            </a:pPr>
+            <a:r>
+              <a:rPr lang="ja-JP" altLang="en-US" dirty="0"/>
+              <a:t>　</a:t>
+            </a:r>
+            <a:r>
+              <a:rPr kumimoji="1" lang="ja-JP" altLang="en-US" dirty="0"/>
+              <a:t>１：青</a:t>
+            </a:r>
+            <a:endParaRPr kumimoji="1" lang="en-US" altLang="ja-JP" dirty="0"/>
+          </a:p>
+          <a:p>
+            <a:pPr marL="0" indent="0">
+              <a:buNone/>
+            </a:pPr>
+            <a:r>
+              <a:rPr kumimoji="1" lang="ja-JP" altLang="en-US" dirty="0"/>
+              <a:t>　２：黄色</a:t>
+            </a:r>
+            <a:endParaRPr kumimoji="1" lang="en-US" altLang="ja-JP" dirty="0"/>
+          </a:p>
+          <a:p>
+            <a:pPr marL="0" indent="0">
+              <a:buNone/>
+            </a:pPr>
+            <a:r>
+              <a:rPr lang="ja-JP" altLang="en-US" dirty="0"/>
+              <a:t>　３：赤</a:t>
+            </a:r>
+            <a:endParaRPr lang="en-US" altLang="ja-JP" dirty="0"/>
+          </a:p>
+          <a:p>
+            <a:pPr marL="0" indent="0">
+              <a:buNone/>
+            </a:pPr>
+            <a:r>
+              <a:rPr kumimoji="1" lang="ja-JP" altLang="en-US" dirty="0"/>
+              <a:t>　４以上：黒</a:t>
+            </a:r>
+            <a:endParaRPr kumimoji="1" lang="en-US" altLang="ja-JP" dirty="0"/>
+          </a:p>
+          <a:p>
+            <a:endParaRPr lang="en-US" altLang="ja-JP" dirty="0"/>
+          </a:p>
+          <a:p>
+            <a:endParaRPr kumimoji="1" lang="ja-JP" altLang="en-US" dirty="0"/>
+          </a:p>
+        </p:txBody>
+      </p:sp>
     </p:spTree>
     <p:extLst>
       <p:ext uri="{BB962C8B-B14F-4D97-AF65-F5344CB8AC3E}">
-        <p14:creationId xmlns:p14="http://schemas.microsoft.com/office/powerpoint/2010/main" val="1124199162"/>
+        <p14:creationId xmlns:p14="http://schemas.microsoft.com/office/powerpoint/2010/main" val="147221885"/>
       </p:ext>
     </p:extLst>
   </p:cSld>
